--- a/PPT.pptx
+++ b/PPT.pptx
@@ -5696,36 +5696,73 @@
           </a:p>
         </p:txBody>
       </p:sp>
-      <p:pic>
-        <p:nvPicPr>
-          <p:cNvPr id="9" name="Picture 8">
+      <p:sp>
+        <p:nvSpPr>
+          <p:cNvPr id="4" name="object 3">
             <a:extLst>
               <a:ext uri="{FF2B5EF4-FFF2-40B4-BE49-F238E27FC236}">
-                <a16:creationId xmlns:a16="http://schemas.microsoft.com/office/drawing/2014/main" id="{BC806262-2136-43E3-88BC-25871756FE1A}"/>
+                <a16:creationId xmlns:a16="http://schemas.microsoft.com/office/drawing/2014/main" id="{D430EB97-C6D0-4230-9854-1C5F2BD9DA31}"/>
               </a:ext>
             </a:extLst>
           </p:cNvPr>
-          <p:cNvPicPr>
-            <a:picLocks noChangeAspect="1"/>
-          </p:cNvPicPr>
+          <p:cNvSpPr txBox="1">
+            <a:spLocks/>
+          </p:cNvSpPr>
           <p:nvPr/>
-        </p:nvPicPr>
-        <p:blipFill>
-          <a:blip r:embed="rId2"/>
-          <a:stretch>
-            <a:fillRect/>
-          </a:stretch>
-        </p:blipFill>
+        </p:nvSpPr>
         <p:spPr>
           <a:xfrm>
-            <a:off x="3733800" y="518280"/>
-            <a:ext cx="3926302" cy="974664"/>
+            <a:off x="3810000" y="609600"/>
+            <a:ext cx="4191000" cy="474489"/>
           </a:xfrm>
           <a:prstGeom prst="rect">
             <a:avLst/>
           </a:prstGeom>
+          <a:solidFill>
+            <a:srgbClr val="B71E42"/>
+          </a:solidFill>
+          <a:ln w="15240">
+            <a:solidFill>
+              <a:srgbClr val="85122C"/>
+            </a:solidFill>
+          </a:ln>
         </p:spPr>
-      </p:pic>
+        <p:txBody>
+          <a:bodyPr vert="horz" wrap="square" lIns="0" tIns="0" rIns="0" bIns="0" rtlCol="0">
+            <a:spAutoFit/>
+          </a:bodyPr>
+          <a:lstStyle>
+            <a:lvl1pPr>
+              <a:defRPr>
+                <a:latin typeface="+mj-lt"/>
+                <a:ea typeface="+mj-ea"/>
+                <a:cs typeface="+mj-cs"/>
+              </a:defRPr>
+            </a:lvl1pPr>
+          </a:lstStyle>
+          <a:p>
+            <a:pPr marL="10795">
+              <a:lnSpc>
+                <a:spcPts val="3700"/>
+              </a:lnSpc>
+            </a:pPr>
+            <a:r>
+              <a:rPr lang="en-US" sz="3200" dirty="0">
+                <a:solidFill>
+                  <a:srgbClr val="FFFFFF"/>
+                </a:solidFill>
+                <a:latin typeface="Trebuchet MS"/>
+                <a:cs typeface="Trebuchet MS"/>
+              </a:rPr>
+              <a:t>PROBLEM STATEMENT</a:t>
+            </a:r>
+            <a:endParaRPr lang="en-US" sz="3200" dirty="0">
+              <a:latin typeface="Trebuchet MS"/>
+              <a:cs typeface="Trebuchet MS"/>
+            </a:endParaRPr>
+          </a:p>
+        </p:txBody>
+      </p:sp>
     </p:spTree>
   </p:cSld>
   <p:clrMapOvr>
